--- a/data8/slides/lab11.pptx
+++ b/data8/slides/lab11.pptx
@@ -9,17 +9,19 @@
     <p:sldMasterId id="2147483699" r:id="rId5"/>
   </p:sldMasterIdLst>
   <p:notesMasterIdLst>
-    <p:notesMasterId r:id="rId11"/>
+    <p:notesMasterId r:id="rId13"/>
   </p:notesMasterIdLst>
   <p:handoutMasterIdLst>
-    <p:handoutMasterId r:id="rId12"/>
+    <p:handoutMasterId r:id="rId14"/>
   </p:handoutMasterIdLst>
   <p:sldIdLst>
     <p:sldId id="256" r:id="rId6"/>
-    <p:sldId id="289" r:id="rId7"/>
-    <p:sldId id="297" r:id="rId8"/>
-    <p:sldId id="267" r:id="rId9"/>
-    <p:sldId id="266" r:id="rId10"/>
+    <p:sldId id="297" r:id="rId7"/>
+    <p:sldId id="298" r:id="rId8"/>
+    <p:sldId id="300" r:id="rId9"/>
+    <p:sldId id="299" r:id="rId10"/>
+    <p:sldId id="301" r:id="rId11"/>
+    <p:sldId id="267" r:id="rId12"/>
   </p:sldIdLst>
   <p:sldSz cx="9144000" cy="6858000" type="screen4x3"/>
   <p:notesSz cx="6858000" cy="9144000"/>
@@ -203,7 +205,7 @@
           <a:p>
             <a:fld id="{97CB1905-1EEB-6545-B5E2-B70E8868255E}" type="datetimeFigureOut">
               <a:rPr lang="en-US" smtClean="0"/>
-              <a:t>10/14/2019</a:t>
+              <a:t>11/22/2019</a:t>
             </a:fld>
             <a:endParaRPr lang="en-US"/>
           </a:p>
@@ -369,7 +371,7 @@
           <a:p>
             <a:fld id="{5F53F6BF-7462-9046-A2B6-90C29244BD27}" type="datetimeFigureOut">
               <a:rPr lang="en-US" smtClean="0"/>
-              <a:t>10/14/2019</a:t>
+              <a:t>11/22/2019</a:t>
             </a:fld>
             <a:endParaRPr lang="en-US"/>
           </a:p>
@@ -7653,22 +7655,13 @@
                 </a:solidFill>
                 <a:latin typeface="Avenir LT Std 45 Book" pitchFamily="34" charset="0"/>
               </a:rPr>
-              <a:t>Data 8, </a:t>
-            </a:r>
-            <a:r>
-              <a:rPr lang="en-US" smtClean="0">
-                <a:solidFill>
-                  <a:srgbClr val="C28220"/>
-                </a:solidFill>
+              <a:t>Data 8, Lab </a:t>
+            </a:r>
+            <a:r>
+              <a:rPr lang="en-US" dirty="0" smtClean="0">
                 <a:latin typeface="Avenir LT Std 45 Book" pitchFamily="34" charset="0"/>
               </a:rPr>
-              <a:t>Lab </a:t>
-            </a:r>
-            <a:r>
-              <a:rPr lang="en-US" smtClean="0">
-                <a:latin typeface="Avenir LT Std 45 Book" pitchFamily="34" charset="0"/>
-              </a:rPr>
-              <a:t>10 or 11??</a:t>
+              <a:t>11</a:t>
             </a:r>
             <a:endParaRPr lang="en-US" dirty="0">
               <a:solidFill>
@@ -7705,7 +7698,7 @@
               <a:rPr lang="en-US" b="1" dirty="0" smtClean="0">
                 <a:latin typeface="Avenir LT Std 45 Book" pitchFamily="34" charset="0"/>
               </a:rPr>
-              <a:t>Correlation, Linear Regression, and Residuals</a:t>
+              <a:t>Classification and k-Nearest Neighbours</a:t>
             </a:r>
           </a:p>
           <a:p>
@@ -7739,7 +7732,7 @@
               <a:rPr lang="en-US" dirty="0" smtClean="0">
                 <a:latin typeface="Avenir LT Std 45 Book" pitchFamily="34" charset="0"/>
               </a:rPr>
-              <a:t>15 November 2019</a:t>
+              <a:t>22 November 2019</a:t>
             </a:r>
             <a:endParaRPr lang="en-US" dirty="0">
               <a:latin typeface="Avenir LT Std 45 Book" pitchFamily="34" charset="0"/>
@@ -7808,7 +7801,7 @@
               <a:rPr lang="en-CA" dirty="0" smtClean="0">
                 <a:latin typeface="+mn-lt"/>
               </a:rPr>
-              <a:t>Agenda</a:t>
+              <a:t>Classification</a:t>
             </a:r>
             <a:endParaRPr lang="en-CA" dirty="0">
               <a:latin typeface="+mn-lt"/>
@@ -7829,43 +7822,71 @@
         <p:spPr>
           <a:xfrm>
             <a:off x="457200" y="1756947"/>
-            <a:ext cx="8286750" cy="3596103"/>
+            <a:ext cx="8286750" cy="3681828"/>
           </a:xfrm>
         </p:spPr>
         <p:txBody>
-          <a:bodyPr/>
+          <a:bodyPr>
+            <a:normAutofit/>
+          </a:bodyPr>
           <a:lstStyle/>
           <a:p>
-            <a:pPr marL="457200" indent="-457200">
-              <a:buAutoNum type="arabicPeriod"/>
-            </a:pPr>
             <a:r>
               <a:rPr lang="en-CA" dirty="0" smtClean="0">
                 <a:latin typeface="+mn-lt"/>
               </a:rPr>
-              <a:t>Correlation</a:t>
-            </a:r>
-          </a:p>
-          <a:p>
-            <a:pPr marL="457200" indent="-457200">
-              <a:buAutoNum type="arabicPeriod"/>
-            </a:pPr>
+              <a:t>Goal: Predict categorical data</a:t>
+            </a:r>
+          </a:p>
+          <a:p>
             <a:r>
               <a:rPr lang="en-CA" dirty="0" smtClean="0">
                 <a:latin typeface="+mn-lt"/>
               </a:rPr>
-              <a:t>Linear Regression</a:t>
-            </a:r>
-          </a:p>
-          <a:p>
-            <a:pPr marL="457200" indent="-457200">
-              <a:buAutoNum type="arabicPeriod"/>
-            </a:pPr>
+              <a:t>In this course, we will use known, labelled data points to predict the label of unknown data points</a:t>
+            </a:r>
+          </a:p>
+          <a:p>
             <a:r>
               <a:rPr lang="en-CA" dirty="0" smtClean="0">
                 <a:latin typeface="+mn-lt"/>
               </a:rPr>
-              <a:t>Residuals</a:t>
+              <a:t>Given a set of attributes for a data point, what label do we predict the data point to have?</a:t>
+            </a:r>
+          </a:p>
+          <a:p>
+            <a:r>
+              <a:rPr lang="en-CA" dirty="0" smtClean="0">
+                <a:latin typeface="+mn-lt"/>
+              </a:rPr>
+              <a:t>Examples: </a:t>
+            </a:r>
+          </a:p>
+          <a:p>
+            <a:pPr lvl="1"/>
+            <a:r>
+              <a:rPr lang="en-CA" dirty="0" smtClean="0">
+                <a:latin typeface="+mn-lt"/>
+              </a:rPr>
+              <a:t>Predict whether or not a patient has cancer</a:t>
+            </a:r>
+          </a:p>
+          <a:p>
+            <a:pPr lvl="1"/>
+            <a:r>
+              <a:rPr lang="en-CA" dirty="0" smtClean="0">
+                <a:latin typeface="+mn-lt"/>
+              </a:rPr>
+              <a:t>Predict the year of a student at Cal</a:t>
+            </a:r>
+          </a:p>
+          <a:p>
+            <a:pPr lvl="1"/>
+            <a:r>
+              <a:rPr lang="en-CA" dirty="0" smtClean="0">
+                <a:latin typeface="+mn-lt"/>
+              </a:rPr>
+              <a:t>Predict if an email is spam</a:t>
             </a:r>
           </a:p>
         </p:txBody>
@@ -7873,7 +7894,7 @@
     </p:spTree>
     <p:extLst>
       <p:ext uri="{BB962C8B-B14F-4D97-AF65-F5344CB8AC3E}">
-        <p14:creationId xmlns:p14="http://schemas.microsoft.com/office/powerpoint/2010/main" val="1468042102"/>
+        <p14:creationId xmlns:p14="http://schemas.microsoft.com/office/powerpoint/2010/main" val="3333663121"/>
       </p:ext>
     </p:extLst>
   </p:cSld>
@@ -7931,7 +7952,7 @@
               <a:rPr lang="en-CA" dirty="0" smtClean="0">
                 <a:latin typeface="+mn-lt"/>
               </a:rPr>
-              <a:t>Correlation</a:t>
+              <a:t>Training vs Testing Data</a:t>
             </a:r>
             <a:endParaRPr lang="en-CA" dirty="0">
               <a:latin typeface="+mn-lt"/>
@@ -7952,7 +7973,7 @@
         <p:spPr>
           <a:xfrm>
             <a:off x="457200" y="1756947"/>
-            <a:ext cx="8286750" cy="3300828"/>
+            <a:ext cx="8286750" cy="3681828"/>
           </a:xfrm>
         </p:spPr>
         <p:txBody>
@@ -7965,24 +7986,77 @@
               <a:rPr lang="en-CA" dirty="0" smtClean="0">
                 <a:latin typeface="+mn-lt"/>
               </a:rPr>
-              <a:t>Correlation is a </a:t>
-            </a:r>
-            <a:r>
-              <a:rPr lang="en-CA" smtClean="0">
+              <a:t>Training Data: All known, labelled data points</a:t>
+            </a:r>
+          </a:p>
+          <a:p>
+            <a:pPr lvl="1"/>
+            <a:r>
+              <a:rPr lang="en-CA" dirty="0" smtClean="0">
                 <a:latin typeface="+mn-lt"/>
               </a:rPr>
-              <a:t>number between -1 and +1</a:t>
-            </a:r>
-            <a:endParaRPr lang="en-CA" dirty="0" smtClean="0">
+              <a:t>We use our training data to </a:t>
+            </a:r>
+            <a:r>
+              <a:rPr lang="en-CA" b="1" dirty="0" smtClean="0">
+                <a:latin typeface="+mn-lt"/>
+              </a:rPr>
+              <a:t>create</a:t>
+            </a:r>
+            <a:r>
+              <a:rPr lang="en-CA" dirty="0" smtClean="0">
+                <a:latin typeface="+mn-lt"/>
+              </a:rPr>
+              <a:t> our model</a:t>
+            </a:r>
+          </a:p>
+          <a:p>
+            <a:r>
+              <a:rPr lang="en-CA" dirty="0" smtClean="0">
+                <a:latin typeface="+mn-lt"/>
+              </a:rPr>
+              <a:t>Test Data: All unknown data points whose labels we are trying to predict</a:t>
+            </a:r>
+          </a:p>
+          <a:p>
+            <a:pPr lvl="1"/>
+            <a:r>
+              <a:rPr lang="en-CA" dirty="0" smtClean="0">
+                <a:latin typeface="+mn-lt"/>
+              </a:rPr>
+              <a:t>We use our test data to evaluate how well our model does</a:t>
+            </a:r>
+            <a:endParaRPr lang="en-CA" dirty="0">
               <a:latin typeface="+mn-lt"/>
             </a:endParaRPr>
+          </a:p>
+          <a:p>
+            <a:pPr lvl="1"/>
+            <a:r>
+              <a:rPr lang="en-CA" dirty="0" smtClean="0">
+                <a:latin typeface="+mn-lt"/>
+              </a:rPr>
+              <a:t>Allows us to ask how well our model </a:t>
+            </a:r>
+            <a:r>
+              <a:rPr lang="en-CA" b="1" dirty="0" smtClean="0">
+                <a:latin typeface="+mn-lt"/>
+              </a:rPr>
+              <a:t>generalizes</a:t>
+            </a:r>
+            <a:r>
+              <a:rPr lang="en-CA" dirty="0" smtClean="0">
+                <a:latin typeface="+mn-lt"/>
+              </a:rPr>
+              <a:t> to unknown data our model hasn’t seen yet</a:t>
+            </a:r>
           </a:p>
         </p:txBody>
       </p:sp>
     </p:spTree>
     <p:extLst>
       <p:ext uri="{BB962C8B-B14F-4D97-AF65-F5344CB8AC3E}">
-        <p14:creationId xmlns:p14="http://schemas.microsoft.com/office/powerpoint/2010/main" val="3333663121"/>
+        <p14:creationId xmlns:p14="http://schemas.microsoft.com/office/powerpoint/2010/main" val="2151679895"/>
       </p:ext>
     </p:extLst>
   </p:cSld>
@@ -8040,7 +8114,7 @@
               <a:rPr lang="en-CA" dirty="0" smtClean="0">
                 <a:latin typeface="+mn-lt"/>
               </a:rPr>
-              <a:t>Announcements</a:t>
+              <a:t>Decision Boundary</a:t>
             </a:r>
             <a:endParaRPr lang="en-CA" dirty="0">
               <a:latin typeface="+mn-lt"/>
@@ -8061,23 +8135,90 @@
         <p:spPr>
           <a:xfrm>
             <a:off x="457200" y="1756947"/>
-            <a:ext cx="8286750" cy="3596103"/>
+            <a:ext cx="8286750" cy="3681828"/>
           </a:xfrm>
         </p:spPr>
         <p:txBody>
-          <a:bodyPr/>
+          <a:bodyPr>
+            <a:normAutofit/>
+          </a:bodyPr>
           <a:lstStyle/>
           <a:p>
-            <a:endParaRPr lang="en-CA" dirty="0">
-              <a:latin typeface="+mn-lt"/>
-            </a:endParaRPr>
+            <a:r>
+              <a:rPr lang="en-CA" dirty="0" smtClean="0">
+                <a:latin typeface="+mn-lt"/>
+              </a:rPr>
+              <a:t>Decision Boundary: The curve that divides all the data based on the </a:t>
+            </a:r>
+            <a:r>
+              <a:rPr lang="en-CA" b="1" dirty="0" smtClean="0">
+                <a:latin typeface="+mn-lt"/>
+              </a:rPr>
+              <a:t>predicted</a:t>
+            </a:r>
+            <a:r>
+              <a:rPr lang="en-CA" dirty="0" smtClean="0">
+                <a:latin typeface="+mn-lt"/>
+              </a:rPr>
+              <a:t> label</a:t>
+            </a:r>
+          </a:p>
+          <a:p>
+            <a:pPr lvl="1"/>
+            <a:r>
+              <a:rPr lang="en-CA" dirty="0" smtClean="0">
+                <a:latin typeface="+mn-lt"/>
+              </a:rPr>
+              <a:t>May have points on the wrong side if the predictions are wrong!</a:t>
+            </a:r>
           </a:p>
         </p:txBody>
       </p:sp>
+      <p:pic>
+        <p:nvPicPr>
+          <p:cNvPr id="1026" name="Picture 2" descr="https://miro.medium.com/max/1012/1*i_oYgWjPbXbg3Z2uQLAmtw.png"/>
+          <p:cNvPicPr>
+            <a:picLocks noChangeAspect="1" noChangeArrowheads="1"/>
+          </p:cNvPicPr>
+          <p:nvPr/>
+        </p:nvPicPr>
+        <p:blipFill>
+          <a:blip r:embed="rId2">
+            <a:extLst>
+              <a:ext uri="{28A0092B-C50C-407E-A947-70E740481C1C}">
+                <a14:useLocalDpi xmlns:a14="http://schemas.microsoft.com/office/drawing/2010/main" val="0"/>
+              </a:ext>
+            </a:extLst>
+          </a:blip>
+          <a:srcRect/>
+          <a:stretch>
+            <a:fillRect/>
+          </a:stretch>
+        </p:blipFill>
+        <p:spPr bwMode="auto">
+          <a:xfrm>
+            <a:off x="2183756" y="2876549"/>
+            <a:ext cx="4776489" cy="3162301"/>
+          </a:xfrm>
+          <a:prstGeom prst="rect">
+            <a:avLst/>
+          </a:prstGeom>
+          <a:noFill/>
+          <a:extLst>
+            <a:ext uri="{909E8E84-426E-40DD-AFC4-6F175D3DCCD1}">
+              <a14:hiddenFill xmlns:a14="http://schemas.microsoft.com/office/drawing/2010/main">
+                <a:solidFill>
+                  <a:srgbClr val="FFFFFF"/>
+                </a:solidFill>
+              </a14:hiddenFill>
+            </a:ext>
+          </a:extLst>
+        </p:spPr>
+      </p:pic>
     </p:spTree>
     <p:extLst>
       <p:ext uri="{BB962C8B-B14F-4D97-AF65-F5344CB8AC3E}">
-        <p14:creationId xmlns:p14="http://schemas.microsoft.com/office/powerpoint/2010/main" val="203414778"/>
+        <p14:creationId xmlns:p14="http://schemas.microsoft.com/office/powerpoint/2010/main" val="385726095"/>
       </p:ext>
     </p:extLst>
   </p:cSld>
@@ -8135,7 +8276,7 @@
               <a:rPr lang="en-CA" dirty="0" smtClean="0">
                 <a:latin typeface="+mn-lt"/>
               </a:rPr>
-              <a:t>Lab Notebook</a:t>
+              <a:t>K-Nearest Neighbours</a:t>
             </a:r>
             <a:endParaRPr lang="en-CA" dirty="0">
               <a:latin typeface="+mn-lt"/>
@@ -8156,21 +8297,98 @@
         <p:spPr>
           <a:xfrm>
             <a:off x="457200" y="1756947"/>
-            <a:ext cx="8286750" cy="3596103"/>
+            <a:ext cx="8286750" cy="3681828"/>
           </a:xfrm>
         </p:spPr>
         <p:txBody>
-          <a:bodyPr/>
+          <a:bodyPr>
+            <a:normAutofit/>
+          </a:bodyPr>
           <a:lstStyle/>
           <a:p>
             <a:pPr marL="0" indent="0">
               <a:buNone/>
             </a:pPr>
             <a:r>
-              <a:rPr lang="en-CA" smtClean="0">
-                <a:latin typeface="Avenir LT Std 45 Book" pitchFamily="34" charset="0"/>
+              <a:rPr lang="en-CA" i="1" dirty="0" smtClean="0">
+                <a:latin typeface="+mn-lt"/>
               </a:rPr>
-              <a:t>TBD</a:t>
+              <a:t>Idea: Use the labels of the known data points (training set) closest to an unknown data point (test set) to predict its label</a:t>
+            </a:r>
+            <a:endParaRPr lang="en-CA" i="1" dirty="0">
+              <a:latin typeface="+mn-lt"/>
+            </a:endParaRPr>
+          </a:p>
+          <a:p>
+            <a:pPr marL="457200" indent="-457200">
+              <a:buFont typeface="+mj-lt"/>
+              <a:buAutoNum type="arabicPeriod"/>
+            </a:pPr>
+            <a:r>
+              <a:rPr lang="en-CA" dirty="0">
+                <a:latin typeface="+mn-lt"/>
+              </a:rPr>
+              <a:t>Find the distance between the </a:t>
+            </a:r>
+            <a:r>
+              <a:rPr lang="en-CA" dirty="0" smtClean="0">
+                <a:latin typeface="+mn-lt"/>
+              </a:rPr>
+              <a:t>unknown data point and </a:t>
+            </a:r>
+            <a:r>
+              <a:rPr lang="en-CA" dirty="0">
+                <a:latin typeface="+mn-lt"/>
+              </a:rPr>
+              <a:t>each </a:t>
+            </a:r>
+            <a:r>
+              <a:rPr lang="en-CA" dirty="0" smtClean="0">
+                <a:latin typeface="+mn-lt"/>
+              </a:rPr>
+              <a:t>known data point in </a:t>
+            </a:r>
+            <a:r>
+              <a:rPr lang="en-CA" dirty="0">
+                <a:latin typeface="+mn-lt"/>
+              </a:rPr>
+              <a:t>the training set</a:t>
+            </a:r>
+          </a:p>
+          <a:p>
+            <a:pPr marL="457200" indent="-457200">
+              <a:buFont typeface="+mj-lt"/>
+              <a:buAutoNum type="arabicPeriod"/>
+            </a:pPr>
+            <a:r>
+              <a:rPr lang="en-CA" dirty="0" smtClean="0">
+                <a:latin typeface="+mn-lt"/>
+              </a:rPr>
+              <a:t>Sort all the data points based on the calculated distance</a:t>
+            </a:r>
+          </a:p>
+          <a:p>
+            <a:pPr marL="457200" indent="-457200">
+              <a:buFont typeface="+mj-lt"/>
+              <a:buAutoNum type="arabicPeriod"/>
+            </a:pPr>
+            <a:r>
+              <a:rPr lang="en-CA" dirty="0" smtClean="0">
+                <a:latin typeface="+mn-lt"/>
+              </a:rPr>
+              <a:t>Take the k closest data points (“neighbours”) and find their labels</a:t>
+            </a:r>
+          </a:p>
+          <a:p>
+            <a:pPr marL="457200" indent="-457200">
+              <a:buFont typeface="+mj-lt"/>
+              <a:buAutoNum type="arabicPeriod"/>
+            </a:pPr>
+            <a:r>
+              <a:rPr lang="en-CA" dirty="0" smtClean="0">
+                <a:latin typeface="+mn-lt"/>
+              </a:rPr>
+              <a:t>The predicted label for the unknown data point is the majority of the labels of the k closest neighbours</a:t>
             </a:r>
           </a:p>
         </p:txBody>
@@ -8178,7 +8396,565 @@
     </p:spTree>
     <p:extLst>
       <p:ext uri="{BB962C8B-B14F-4D97-AF65-F5344CB8AC3E}">
-        <p14:creationId xmlns:p14="http://schemas.microsoft.com/office/powerpoint/2010/main" val="687167673"/>
+        <p14:creationId xmlns:p14="http://schemas.microsoft.com/office/powerpoint/2010/main" val="1766237058"/>
+      </p:ext>
+    </p:extLst>
+  </p:cSld>
+  <p:clrMapOvr>
+    <a:masterClrMapping/>
+  </p:clrMapOvr>
+  <p:timing>
+    <p:tnLst>
+      <p:par>
+        <p:cTn id="1" dur="indefinite" restart="never" nodeType="tmRoot"/>
+      </p:par>
+    </p:tnLst>
+  </p:timing>
+</p:sld>
+</file>
+
+<file path=ppt/slides/slide6.xml><?xml version="1.0" encoding="utf-8"?>
+<p:sld xmlns:a="http://schemas.openxmlformats.org/drawingml/2006/main" xmlns:r="http://schemas.openxmlformats.org/officeDocument/2006/relationships" xmlns:p="http://schemas.openxmlformats.org/presentationml/2006/main">
+  <p:cSld>
+    <p:spTree>
+      <p:nvGrpSpPr>
+        <p:cNvPr id="1" name=""/>
+        <p:cNvGrpSpPr/>
+        <p:nvPr/>
+      </p:nvGrpSpPr>
+      <p:grpSpPr>
+        <a:xfrm>
+          <a:off x="0" y="0"/>
+          <a:ext cx="0" cy="0"/>
+          <a:chOff x="0" y="0"/>
+          <a:chExt cx="0" cy="0"/>
+        </a:xfrm>
+      </p:grpSpPr>
+      <p:sp>
+        <p:nvSpPr>
+          <p:cNvPr id="2" name="Title 1"/>
+          <p:cNvSpPr>
+            <a:spLocks noGrp="1"/>
+          </p:cNvSpPr>
+          <p:nvPr>
+            <p:ph type="title"/>
+          </p:nvPr>
+        </p:nvSpPr>
+        <p:spPr>
+          <a:xfrm>
+            <a:off x="457200" y="449932"/>
+            <a:ext cx="8286750" cy="1150353"/>
+          </a:xfrm>
+        </p:spPr>
+        <p:txBody>
+          <a:bodyPr/>
+          <a:lstStyle/>
+          <a:p>
+            <a:r>
+              <a:rPr lang="en-CA" dirty="0" smtClean="0">
+                <a:latin typeface="+mn-lt"/>
+              </a:rPr>
+              <a:t>Standardizing Data</a:t>
+            </a:r>
+            <a:endParaRPr lang="en-CA" dirty="0">
+              <a:latin typeface="+mn-lt"/>
+            </a:endParaRPr>
+          </a:p>
+        </p:txBody>
+      </p:sp>
+      <mc:AlternateContent xmlns:mc="http://schemas.openxmlformats.org/markup-compatibility/2006" xmlns:a14="http://schemas.microsoft.com/office/drawing/2010/main">
+        <mc:Choice Requires="a14">
+          <p:sp>
+            <p:nvSpPr>
+              <p:cNvPr id="3" name="Content Placeholder 2"/>
+              <p:cNvSpPr>
+                <a:spLocks noGrp="1"/>
+              </p:cNvSpPr>
+              <p:nvPr>
+                <p:ph idx="1"/>
+              </p:nvPr>
+            </p:nvSpPr>
+            <p:spPr>
+              <a:xfrm>
+                <a:off x="457200" y="1756947"/>
+                <a:ext cx="8286750" cy="3681828"/>
+              </a:xfrm>
+            </p:spPr>
+            <p:txBody>
+              <a:bodyPr>
+                <a:normAutofit/>
+              </a:bodyPr>
+              <a:lstStyle/>
+              <a:p>
+                <a:r>
+                  <a:rPr lang="en-CA" dirty="0" smtClean="0">
+                    <a:latin typeface="+mn-lt"/>
+                  </a:rPr>
+                  <a:t>Before starting to classify data, we often have to </a:t>
+                </a:r>
+                <a:r>
+                  <a:rPr lang="en-CA" b="1" dirty="0" smtClean="0">
+                    <a:latin typeface="+mn-lt"/>
+                  </a:rPr>
+                  <a:t>standardize data first</a:t>
+                </a:r>
+                <a:endParaRPr lang="en-CA" dirty="0" smtClean="0">
+                  <a:latin typeface="+mn-lt"/>
+                </a:endParaRPr>
+              </a:p>
+              <a:p>
+                <a:r>
+                  <a:rPr lang="en-CA" dirty="0" smtClean="0">
+                    <a:latin typeface="+mn-lt"/>
+                  </a:rPr>
+                  <a:t>This is especially true if data is on completely different scales!</a:t>
+                </a:r>
+              </a:p>
+              <a:p>
+                <a:pPr lvl="1"/>
+                <a:r>
+                  <a:rPr lang="en-CA" dirty="0" smtClean="0">
+                    <a:latin typeface="+mn-lt"/>
+                  </a:rPr>
+                  <a:t>How do we calculate a distance that involves both the number of people in a town and the area of a town in kilometers squared?</a:t>
+                </a:r>
+              </a:p>
+              <a:p>
+                <a:pPr lvl="1"/>
+                <a:r>
+                  <a:rPr lang="en-CA" dirty="0" smtClean="0">
+                    <a:latin typeface="+mn-lt"/>
+                  </a:rPr>
+                  <a:t>These two variables clearly have completely different scales!</a:t>
+                </a:r>
+              </a:p>
+              <a:p>
+                <a14:m>
+                  <m:oMath xmlns:m="http://schemas.openxmlformats.org/officeDocument/2006/math">
+                    <m:r>
+                      <a:rPr lang="en-CA" b="0" i="1" smtClean="0">
+                        <a:latin typeface="Cambria Math"/>
+                      </a:rPr>
+                      <m:t>𝑆𝑡𝑎𝑛𝑑𝑎𝑟𝑑𝑖𝑧𝑒𝑑</m:t>
+                    </m:r>
+                    <m:r>
+                      <a:rPr lang="en-CA" b="0" i="1" smtClean="0">
+                        <a:latin typeface="Cambria Math"/>
+                      </a:rPr>
+                      <m:t> </m:t>
+                    </m:r>
+                    <m:r>
+                      <a:rPr lang="en-CA" b="0" i="1" smtClean="0">
+                        <a:latin typeface="Cambria Math"/>
+                      </a:rPr>
+                      <m:t>𝐷𝑎𝑡𝑎</m:t>
+                    </m:r>
+                    <m:r>
+                      <a:rPr lang="en-CA" b="0" i="1" smtClean="0">
+                        <a:latin typeface="Cambria Math"/>
+                      </a:rPr>
+                      <m:t>= </m:t>
+                    </m:r>
+                    <m:f>
+                      <m:fPr>
+                        <m:ctrlPr>
+                          <a:rPr lang="en-CA" b="0" i="1" smtClean="0">
+                            <a:latin typeface="Cambria Math"/>
+                          </a:rPr>
+                        </m:ctrlPr>
+                      </m:fPr>
+                      <m:num>
+                        <m:r>
+                          <a:rPr lang="en-CA" b="0" i="1" smtClean="0">
+                            <a:latin typeface="Cambria Math"/>
+                          </a:rPr>
+                          <m:t>𝑂𝑟𝑖𝑔𝑖𝑎𝑙</m:t>
+                        </m:r>
+                        <m:r>
+                          <a:rPr lang="en-CA" b="0" i="1" smtClean="0">
+                            <a:latin typeface="Cambria Math"/>
+                          </a:rPr>
+                          <m:t> </m:t>
+                        </m:r>
+                        <m:r>
+                          <a:rPr lang="en-CA" b="0" i="1" smtClean="0">
+                            <a:latin typeface="Cambria Math"/>
+                          </a:rPr>
+                          <m:t>𝐷𝑎𝑡𝑎</m:t>
+                        </m:r>
+                        <m:r>
+                          <a:rPr lang="en-CA" b="0" i="1" smtClean="0">
+                            <a:latin typeface="Cambria Math"/>
+                          </a:rPr>
+                          <m:t> −</m:t>
+                        </m:r>
+                        <m:r>
+                          <a:rPr lang="en-CA" b="0" i="1" smtClean="0">
+                            <a:latin typeface="Cambria Math"/>
+                          </a:rPr>
+                          <m:t>𝐴𝑣𝑒𝑟𝑎𝑔𝑒</m:t>
+                        </m:r>
+                        <m:r>
+                          <a:rPr lang="en-CA" b="0" i="1" smtClean="0">
+                            <a:latin typeface="Cambria Math"/>
+                          </a:rPr>
+                          <m:t> </m:t>
+                        </m:r>
+                        <m:r>
+                          <a:rPr lang="en-CA" b="0" i="1" smtClean="0">
+                            <a:latin typeface="Cambria Math"/>
+                          </a:rPr>
+                          <m:t>𝑜𝑓</m:t>
+                        </m:r>
+                        <m:r>
+                          <a:rPr lang="en-CA" b="0" i="1" smtClean="0">
+                            <a:latin typeface="Cambria Math"/>
+                          </a:rPr>
+                          <m:t> </m:t>
+                        </m:r>
+                        <m:r>
+                          <a:rPr lang="en-CA" b="0" i="1" smtClean="0">
+                            <a:latin typeface="Cambria Math"/>
+                          </a:rPr>
+                          <m:t>𝑂𝑟𝑖𝑔𝑖𝑛𝑎𝑙</m:t>
+                        </m:r>
+                        <m:r>
+                          <a:rPr lang="en-CA" b="0" i="1" smtClean="0">
+                            <a:latin typeface="Cambria Math"/>
+                          </a:rPr>
+                          <m:t> </m:t>
+                        </m:r>
+                        <m:r>
+                          <a:rPr lang="en-CA" b="0" i="1" smtClean="0">
+                            <a:latin typeface="Cambria Math"/>
+                          </a:rPr>
+                          <m:t>𝐷𝑎𝑡𝑎</m:t>
+                        </m:r>
+                      </m:num>
+                      <m:den>
+                        <m:r>
+                          <a:rPr lang="en-CA" b="0" i="1" smtClean="0">
+                            <a:latin typeface="Cambria Math"/>
+                          </a:rPr>
+                          <m:t>𝑆𝑡𝑎𝑛𝑑𝑎𝑟𝑑</m:t>
+                        </m:r>
+                        <m:r>
+                          <a:rPr lang="en-CA" b="0" i="1" smtClean="0">
+                            <a:latin typeface="Cambria Math"/>
+                          </a:rPr>
+                          <m:t> </m:t>
+                        </m:r>
+                        <m:r>
+                          <a:rPr lang="en-CA" b="0" i="1" smtClean="0">
+                            <a:latin typeface="Cambria Math"/>
+                          </a:rPr>
+                          <m:t>𝐷𝑒𝑣𝑖𝑎𝑡𝑖𝑜𝑛</m:t>
+                        </m:r>
+                        <m:r>
+                          <a:rPr lang="en-CA" b="0" i="1" smtClean="0">
+                            <a:latin typeface="Cambria Math"/>
+                          </a:rPr>
+                          <m:t> </m:t>
+                        </m:r>
+                        <m:r>
+                          <a:rPr lang="en-CA" b="0" i="1" smtClean="0">
+                            <a:latin typeface="Cambria Math"/>
+                          </a:rPr>
+                          <m:t>𝑜𝑓</m:t>
+                        </m:r>
+                        <m:r>
+                          <a:rPr lang="en-CA" b="0" i="1" smtClean="0">
+                            <a:latin typeface="Cambria Math"/>
+                          </a:rPr>
+                          <m:t> </m:t>
+                        </m:r>
+                        <m:r>
+                          <a:rPr lang="en-CA" b="0" i="1" smtClean="0">
+                            <a:latin typeface="Cambria Math"/>
+                          </a:rPr>
+                          <m:t>𝑂𝑟𝑖𝑔𝑖𝑛𝑎𝑙</m:t>
+                        </m:r>
+                        <m:r>
+                          <a:rPr lang="en-CA" b="0" i="1" smtClean="0">
+                            <a:latin typeface="Cambria Math"/>
+                          </a:rPr>
+                          <m:t> </m:t>
+                        </m:r>
+                        <m:r>
+                          <a:rPr lang="en-CA" b="0" i="1" smtClean="0">
+                            <a:latin typeface="Cambria Math"/>
+                          </a:rPr>
+                          <m:t>𝐷𝑎𝑡𝑎</m:t>
+                        </m:r>
+                      </m:den>
+                    </m:f>
+                  </m:oMath>
+                </a14:m>
+                <a:endParaRPr lang="en-CA" dirty="0" smtClean="0">
+                  <a:latin typeface="+mn-lt"/>
+                </a:endParaRPr>
+              </a:p>
+            </p:txBody>
+          </p:sp>
+        </mc:Choice>
+        <mc:Fallback xmlns="">
+          <p:sp>
+            <p:nvSpPr>
+              <p:cNvPr id="3" name="Content Placeholder 2"/>
+              <p:cNvSpPr>
+                <a:spLocks noGrp="1" noRot="1" noChangeAspect="1" noMove="1" noResize="1" noEditPoints="1" noAdjustHandles="1" noChangeArrowheads="1" noChangeShapeType="1" noTextEdit="1"/>
+              </p:cNvSpPr>
+              <p:nvPr>
+                <p:ph idx="1"/>
+              </p:nvPr>
+            </p:nvSpPr>
+            <p:spPr>
+              <a:xfrm>
+                <a:off x="457200" y="1756947"/>
+                <a:ext cx="8286750" cy="3681828"/>
+              </a:xfrm>
+              <a:blipFill rotWithShape="1">
+                <a:blip r:embed="rId2"/>
+                <a:stretch>
+                  <a:fillRect l="-809" t="-993" r="-1398"/>
+                </a:stretch>
+              </a:blipFill>
+            </p:spPr>
+            <p:txBody>
+              <a:bodyPr/>
+              <a:lstStyle/>
+              <a:p>
+                <a:r>
+                  <a:rPr lang="en-CA">
+                    <a:noFill/>
+                  </a:rPr>
+                  <a:t> </a:t>
+                </a:r>
+              </a:p>
+            </p:txBody>
+          </p:sp>
+        </mc:Fallback>
+      </mc:AlternateContent>
+    </p:spTree>
+    <p:extLst>
+      <p:ext uri="{BB962C8B-B14F-4D97-AF65-F5344CB8AC3E}">
+        <p14:creationId xmlns:p14="http://schemas.microsoft.com/office/powerpoint/2010/main" val="173942872"/>
+      </p:ext>
+    </p:extLst>
+  </p:cSld>
+  <p:clrMapOvr>
+    <a:masterClrMapping/>
+  </p:clrMapOvr>
+  <p:timing>
+    <p:tnLst>
+      <p:par>
+        <p:cTn id="1" dur="indefinite" restart="never" nodeType="tmRoot"/>
+      </p:par>
+    </p:tnLst>
+  </p:timing>
+</p:sld>
+</file>
+
+<file path=ppt/slides/slide7.xml><?xml version="1.0" encoding="utf-8"?>
+<p:sld xmlns:a="http://schemas.openxmlformats.org/drawingml/2006/main" xmlns:r="http://schemas.openxmlformats.org/officeDocument/2006/relationships" xmlns:p="http://schemas.openxmlformats.org/presentationml/2006/main">
+  <p:cSld>
+    <p:spTree>
+      <p:nvGrpSpPr>
+        <p:cNvPr id="1" name=""/>
+        <p:cNvGrpSpPr/>
+        <p:nvPr/>
+      </p:nvGrpSpPr>
+      <p:grpSpPr>
+        <a:xfrm>
+          <a:off x="0" y="0"/>
+          <a:ext cx="0" cy="0"/>
+          <a:chOff x="0" y="0"/>
+          <a:chExt cx="0" cy="0"/>
+        </a:xfrm>
+      </p:grpSpPr>
+      <p:sp>
+        <p:nvSpPr>
+          <p:cNvPr id="2" name="Title 1"/>
+          <p:cNvSpPr>
+            <a:spLocks noGrp="1"/>
+          </p:cNvSpPr>
+          <p:nvPr>
+            <p:ph type="title"/>
+          </p:nvPr>
+        </p:nvSpPr>
+        <p:spPr>
+          <a:xfrm>
+            <a:off x="457200" y="449932"/>
+            <a:ext cx="8286750" cy="1150353"/>
+          </a:xfrm>
+        </p:spPr>
+        <p:txBody>
+          <a:bodyPr/>
+          <a:lstStyle/>
+          <a:p>
+            <a:r>
+              <a:rPr lang="en-CA" dirty="0" smtClean="0">
+                <a:latin typeface="+mn-lt"/>
+              </a:rPr>
+              <a:t>Announcements</a:t>
+            </a:r>
+            <a:endParaRPr lang="en-CA" dirty="0">
+              <a:latin typeface="+mn-lt"/>
+            </a:endParaRPr>
+          </a:p>
+        </p:txBody>
+      </p:sp>
+      <p:sp>
+        <p:nvSpPr>
+          <p:cNvPr id="3" name="Content Placeholder 2"/>
+          <p:cNvSpPr>
+            <a:spLocks noGrp="1"/>
+          </p:cNvSpPr>
+          <p:nvPr>
+            <p:ph idx="1"/>
+          </p:nvPr>
+        </p:nvSpPr>
+        <p:spPr>
+          <a:xfrm>
+            <a:off x="457200" y="1756947"/>
+            <a:ext cx="8286750" cy="3596103"/>
+          </a:xfrm>
+        </p:spPr>
+        <p:txBody>
+          <a:bodyPr/>
+          <a:lstStyle/>
+          <a:p>
+            <a:r>
+              <a:rPr lang="en-CA" dirty="0">
+                <a:latin typeface="+mn-lt"/>
+              </a:rPr>
+              <a:t>Project 3 checkpoint 1 is due </a:t>
+            </a:r>
+            <a:r>
+              <a:rPr lang="en-CA" dirty="0" smtClean="0">
+                <a:latin typeface="+mn-lt"/>
+              </a:rPr>
+              <a:t>today (11/22)</a:t>
+            </a:r>
+          </a:p>
+          <a:p>
+            <a:pPr lvl="1"/>
+            <a:r>
+              <a:rPr lang="en-CA" dirty="0" smtClean="0">
+                <a:latin typeface="+mn-lt"/>
+              </a:rPr>
+              <a:t>Final </a:t>
+            </a:r>
+            <a:r>
+              <a:rPr lang="en-CA" dirty="0">
+                <a:latin typeface="+mn-lt"/>
+              </a:rPr>
+              <a:t>project deadline is 12/6.</a:t>
+            </a:r>
+          </a:p>
+          <a:p>
+            <a:r>
+              <a:rPr lang="en-CA" dirty="0" smtClean="0">
+                <a:latin typeface="+mn-lt"/>
+              </a:rPr>
+              <a:t>HW12 </a:t>
+            </a:r>
+            <a:r>
+              <a:rPr lang="en-CA" dirty="0">
+                <a:latin typeface="+mn-lt"/>
+              </a:rPr>
+              <a:t>will be released </a:t>
+            </a:r>
+            <a:r>
+              <a:rPr lang="en-CA" dirty="0" smtClean="0">
+                <a:latin typeface="+mn-lt"/>
+              </a:rPr>
+              <a:t>today and </a:t>
+            </a:r>
+            <a:r>
+              <a:rPr lang="en-CA" dirty="0">
+                <a:latin typeface="+mn-lt"/>
+              </a:rPr>
+              <a:t>due on 12/6.</a:t>
+            </a:r>
+          </a:p>
+          <a:p>
+            <a:r>
+              <a:rPr lang="en-CA" dirty="0">
+                <a:latin typeface="+mn-lt"/>
+              </a:rPr>
+              <a:t>Next week is </a:t>
+            </a:r>
+            <a:r>
+              <a:rPr lang="en-CA" dirty="0" smtClean="0">
+                <a:latin typeface="+mn-lt"/>
+              </a:rPr>
+              <a:t>American Thanksgiving:</a:t>
+            </a:r>
+          </a:p>
+          <a:p>
+            <a:pPr lvl="1"/>
+            <a:r>
+              <a:rPr lang="en-CA" dirty="0" smtClean="0">
+                <a:latin typeface="+mn-lt"/>
+              </a:rPr>
+              <a:t>Monday </a:t>
+            </a:r>
+            <a:r>
+              <a:rPr lang="en-CA" dirty="0">
+                <a:latin typeface="+mn-lt"/>
+              </a:rPr>
+              <a:t>lecture will be held as </a:t>
+            </a:r>
+            <a:r>
+              <a:rPr lang="en-CA" dirty="0" smtClean="0">
+                <a:latin typeface="+mn-lt"/>
+              </a:rPr>
+              <a:t>normal</a:t>
+            </a:r>
+          </a:p>
+          <a:p>
+            <a:pPr lvl="1"/>
+            <a:r>
+              <a:rPr lang="en-CA" dirty="0" smtClean="0">
+                <a:latin typeface="+mn-lt"/>
+              </a:rPr>
+              <a:t>No </a:t>
+            </a:r>
+            <a:r>
+              <a:rPr lang="en-CA" dirty="0">
+                <a:latin typeface="+mn-lt"/>
+              </a:rPr>
+              <a:t>lecture on </a:t>
+            </a:r>
+            <a:r>
+              <a:rPr lang="en-CA" dirty="0" smtClean="0">
+                <a:latin typeface="+mn-lt"/>
+              </a:rPr>
+              <a:t>Wednesday-Friday, </a:t>
+            </a:r>
+            <a:r>
+              <a:rPr lang="en-CA" dirty="0">
+                <a:latin typeface="+mn-lt"/>
+              </a:rPr>
+              <a:t>and no lab, office hours, tutoring sections, or assignment </a:t>
+            </a:r>
+            <a:r>
+              <a:rPr lang="en-CA" dirty="0" smtClean="0">
+                <a:latin typeface="+mn-lt"/>
+              </a:rPr>
+              <a:t>deadlines</a:t>
+            </a:r>
+            <a:endParaRPr lang="en-CA" dirty="0">
+              <a:latin typeface="+mn-lt"/>
+            </a:endParaRPr>
+          </a:p>
+        </p:txBody>
+      </p:sp>
+    </p:spTree>
+    <p:extLst>
+      <p:ext uri="{BB962C8B-B14F-4D97-AF65-F5344CB8AC3E}">
+        <p14:creationId xmlns:p14="http://schemas.microsoft.com/office/powerpoint/2010/main" val="203414778"/>
       </p:ext>
     </p:extLst>
   </p:cSld>
